--- a/Защита/курсовая.pptx
+++ b/Защита/курсовая.pptx
@@ -5868,7 +5868,7 @@
           <a:p>
             <a:fld id="{D89A0399-7ACA-4FF0-AC1A-612E934EF3FC}" type="datetimeFigureOut">
               <a:rPr lang="ru-RU" smtClean="0"/>
-              <a:t>24.05.2019</a:t>
+              <a:t>28.05.2019</a:t>
             </a:fld>
             <a:endParaRPr lang="ru-RU"/>
           </a:p>
@@ -6065,7 +6065,7 @@
           <a:p>
             <a:fld id="{D89A0399-7ACA-4FF0-AC1A-612E934EF3FC}" type="datetimeFigureOut">
               <a:rPr lang="ru-RU" smtClean="0"/>
-              <a:t>24.05.2019</a:t>
+              <a:t>28.05.2019</a:t>
             </a:fld>
             <a:endParaRPr lang="ru-RU"/>
           </a:p>
@@ -6266,7 +6266,7 @@
           <a:p>
             <a:fld id="{D89A0399-7ACA-4FF0-AC1A-612E934EF3FC}" type="datetimeFigureOut">
               <a:rPr lang="ru-RU" smtClean="0"/>
-              <a:t>24.05.2019</a:t>
+              <a:t>28.05.2019</a:t>
             </a:fld>
             <a:endParaRPr lang="ru-RU"/>
           </a:p>
@@ -6457,7 +6457,7 @@
           <a:p>
             <a:fld id="{D89A0399-7ACA-4FF0-AC1A-612E934EF3FC}" type="datetimeFigureOut">
               <a:rPr lang="ru-RU" smtClean="0"/>
-              <a:t>24.05.2019</a:t>
+              <a:t>28.05.2019</a:t>
             </a:fld>
             <a:endParaRPr lang="ru-RU"/>
           </a:p>
@@ -6670,7 +6670,7 @@
           <a:p>
             <a:fld id="{D89A0399-7ACA-4FF0-AC1A-612E934EF3FC}" type="datetimeFigureOut">
               <a:rPr lang="ru-RU" smtClean="0"/>
-              <a:t>24.05.2019</a:t>
+              <a:t>28.05.2019</a:t>
             </a:fld>
             <a:endParaRPr lang="ru-RU"/>
           </a:p>
@@ -6923,7 +6923,7 @@
           <a:p>
             <a:fld id="{D89A0399-7ACA-4FF0-AC1A-612E934EF3FC}" type="datetimeFigureOut">
               <a:rPr lang="ru-RU" smtClean="0"/>
-              <a:t>24.05.2019</a:t>
+              <a:t>28.05.2019</a:t>
             </a:fld>
             <a:endParaRPr lang="ru-RU"/>
           </a:p>
@@ -7311,7 +7311,7 @@
           <a:p>
             <a:fld id="{D89A0399-7ACA-4FF0-AC1A-612E934EF3FC}" type="datetimeFigureOut">
               <a:rPr lang="ru-RU" smtClean="0"/>
-              <a:t>24.05.2019</a:t>
+              <a:t>28.05.2019</a:t>
             </a:fld>
             <a:endParaRPr lang="ru-RU"/>
           </a:p>
@@ -7450,7 +7450,7 @@
           <a:p>
             <a:fld id="{D89A0399-7ACA-4FF0-AC1A-612E934EF3FC}" type="datetimeFigureOut">
               <a:rPr lang="ru-RU" smtClean="0"/>
-              <a:t>24.05.2019</a:t>
+              <a:t>28.05.2019</a:t>
             </a:fld>
             <a:endParaRPr lang="ru-RU"/>
           </a:p>
@@ -7566,7 +7566,7 @@
           <a:p>
             <a:fld id="{D89A0399-7ACA-4FF0-AC1A-612E934EF3FC}" type="datetimeFigureOut">
               <a:rPr lang="ru-RU" smtClean="0"/>
-              <a:t>24.05.2019</a:t>
+              <a:t>28.05.2019</a:t>
             </a:fld>
             <a:endParaRPr lang="ru-RU"/>
           </a:p>
@@ -7864,7 +7864,7 @@
           <a:p>
             <a:fld id="{D89A0399-7ACA-4FF0-AC1A-612E934EF3FC}" type="datetimeFigureOut">
               <a:rPr lang="ru-RU" smtClean="0"/>
-              <a:t>24.05.2019</a:t>
+              <a:t>28.05.2019</a:t>
             </a:fld>
             <a:endParaRPr lang="ru-RU"/>
           </a:p>
@@ -8142,7 +8142,7 @@
           <a:p>
             <a:fld id="{D89A0399-7ACA-4FF0-AC1A-612E934EF3FC}" type="datetimeFigureOut">
               <a:rPr lang="ru-RU" smtClean="0"/>
-              <a:t>24.05.2019</a:t>
+              <a:t>28.05.2019</a:t>
             </a:fld>
             <a:endParaRPr lang="ru-RU"/>
           </a:p>
@@ -13000,7 +13000,7 @@
           <a:p>
             <a:fld id="{D89A0399-7ACA-4FF0-AC1A-612E934EF3FC}" type="datetimeFigureOut">
               <a:rPr lang="ru-RU" smtClean="0"/>
-              <a:t>24.05.2019</a:t>
+              <a:t>28.05.2019</a:t>
             </a:fld>
             <a:endParaRPr lang="ru-RU"/>
           </a:p>
@@ -13634,8 +13634,8 @@
         </p:nvSpPr>
         <p:spPr>
           <a:xfrm>
-            <a:off x="7237711" y="3583710"/>
-            <a:ext cx="4578496" cy="1569660"/>
+            <a:off x="7192249" y="3583710"/>
+            <a:ext cx="4623958" cy="1569660"/>
           </a:xfrm>
           <a:prstGeom prst="rect">
             <a:avLst/>
@@ -13658,7 +13658,15 @@
             <a:pPr algn="r"/>
             <a:r>
               <a:rPr lang="ru-RU" sz="3200" dirty="0" smtClean="0"/>
-              <a:t>канд. ф-м. н., доцент</a:t>
+              <a:t>доктор</a:t>
+            </a:r>
+            <a:r>
+              <a:rPr lang="ru-RU" sz="3200" dirty="0" smtClean="0"/>
+              <a:t> </a:t>
+            </a:r>
+            <a:r>
+              <a:rPr lang="ru-RU" sz="3200" dirty="0" smtClean="0"/>
+              <a:t>ф-м. н., доцент</a:t>
             </a:r>
           </a:p>
           <a:p>
@@ -14103,8 +14111,8 @@
           </a:sp3d>
         </p:spPr>
       </p:pic>
-      <mc:AlternateContent xmlns:mc="http://schemas.openxmlformats.org/markup-compatibility/2006">
-        <mc:Choice xmlns:a14="http://schemas.microsoft.com/office/drawing/2010/main" Requires="a14">
+      <mc:AlternateContent xmlns:mc="http://schemas.openxmlformats.org/markup-compatibility/2006" xmlns:a14="http://schemas.microsoft.com/office/drawing/2010/main">
+        <mc:Choice Requires="a14">
           <p:sp>
             <p:nvSpPr>
               <p:cNvPr id="7" name="TextBox 6"/>
@@ -14213,7 +14221,7 @@
             </p:txBody>
           </p:sp>
         </mc:Choice>
-        <mc:Fallback>
+        <mc:Fallback xmlns="">
           <p:sp>
             <p:nvSpPr>
               <p:cNvPr id="7" name="TextBox 6"/>
@@ -14383,8 +14391,8 @@
           </a:sp3d>
         </p:spPr>
       </p:pic>
-      <mc:AlternateContent xmlns:mc="http://schemas.openxmlformats.org/markup-compatibility/2006">
-        <mc:Choice xmlns:a14="http://schemas.microsoft.com/office/drawing/2010/main" Requires="a14">
+      <mc:AlternateContent xmlns:mc="http://schemas.openxmlformats.org/markup-compatibility/2006" xmlns:a14="http://schemas.microsoft.com/office/drawing/2010/main">
+        <mc:Choice Requires="a14">
           <p:sp>
             <p:nvSpPr>
               <p:cNvPr id="3" name="TextBox 2"/>
@@ -14493,7 +14501,7 @@
             </p:txBody>
           </p:sp>
         </mc:Choice>
-        <mc:Fallback>
+        <mc:Fallback xmlns="">
           <p:sp>
             <p:nvSpPr>
               <p:cNvPr id="3" name="TextBox 2"/>
@@ -14671,7 +14679,6 @@
               <a:rPr lang="ru-RU" sz="3600" dirty="0"/>
               <a:t>подходят для моделирования начала движения транспорта со светофора на перекрёстках. С их помощью можно определить оптимальное время и оптимальную проходимость транспорта через светофор. </a:t>
             </a:r>
-            <a:endParaRPr lang="ru-RU" sz="3600" dirty="0"/>
           </a:p>
         </p:txBody>
       </p:sp>
@@ -15651,8 +15658,8 @@
           </a:graphicData>
         </a:graphic>
       </p:graphicFrame>
-      <mc:AlternateContent xmlns:mc="http://schemas.openxmlformats.org/markup-compatibility/2006">
-        <mc:Choice xmlns:a14="http://schemas.microsoft.com/office/drawing/2010/main" Requires="a14">
+      <mc:AlternateContent xmlns:mc="http://schemas.openxmlformats.org/markup-compatibility/2006" xmlns:a14="http://schemas.microsoft.com/office/drawing/2010/main">
+        <mc:Choice Requires="a14">
           <p:sp>
             <p:nvSpPr>
               <p:cNvPr id="3" name="TextBox 2"/>
@@ -15739,7 +15746,7 @@
             </p:txBody>
           </p:sp>
         </mc:Choice>
-        <mc:Fallback>
+        <mc:Fallback xmlns="">
           <p:sp>
             <p:nvSpPr>
               <p:cNvPr id="3" name="TextBox 2"/>
@@ -16754,8 +16761,8 @@
           </a:graphicData>
         </a:graphic>
       </p:graphicFrame>
-      <mc:AlternateContent xmlns:mc="http://schemas.openxmlformats.org/markup-compatibility/2006">
-        <mc:Choice xmlns:a14="http://schemas.microsoft.com/office/drawing/2010/main" Requires="a14">
+      <mc:AlternateContent xmlns:mc="http://schemas.openxmlformats.org/markup-compatibility/2006" xmlns:a14="http://schemas.microsoft.com/office/drawing/2010/main">
+        <mc:Choice Requires="a14">
           <p:sp>
             <p:nvSpPr>
               <p:cNvPr id="4" name="TextBox 3"/>
@@ -16881,7 +16888,7 @@
             </p:txBody>
           </p:sp>
         </mc:Choice>
-        <mc:Fallback>
+        <mc:Fallback xmlns="">
           <p:sp>
             <p:nvSpPr>
               <p:cNvPr id="4" name="TextBox 3"/>
@@ -17089,7 +17096,6 @@
               <a:rPr lang="ru-RU" sz="3600" dirty="0"/>
               <a:t>сделать технологии управления дорожным движением более современными.</a:t>
             </a:r>
-            <a:endParaRPr lang="ru-RU" sz="3600" dirty="0"/>
           </a:p>
         </p:txBody>
       </p:sp>
@@ -17232,7 +17238,6 @@
               <a:rPr lang="ru-RU" dirty="0" smtClean="0"/>
               <a:t> </a:t>
             </a:r>
-            <a:endParaRPr lang="ru-RU" dirty="0" smtClean="0"/>
           </a:p>
           <a:p>
             <a:endParaRPr lang="ru-RU" dirty="0" smtClean="0"/>
@@ -17265,7 +17270,6 @@
               <a:rPr lang="ru-RU" sz="4800" b="1" dirty="0"/>
               <a:t>Постановка задачи:</a:t>
             </a:r>
-            <a:endParaRPr lang="ru-RU" sz="4800" b="1" dirty="0"/>
           </a:p>
         </p:txBody>
       </p:sp>
@@ -17454,8 +17458,8 @@
           <a:chExt cx="0" cy="0"/>
         </a:xfrm>
       </p:grpSpPr>
-      <mc:AlternateContent xmlns:mc="http://schemas.openxmlformats.org/markup-compatibility/2006">
-        <mc:Choice xmlns:a14="http://schemas.microsoft.com/office/drawing/2010/main" Requires="a14">
+      <mc:AlternateContent xmlns:mc="http://schemas.openxmlformats.org/markup-compatibility/2006" xmlns:a14="http://schemas.microsoft.com/office/drawing/2010/main">
+        <mc:Choice Requires="a14">
           <p:graphicFrame>
             <p:nvGraphicFramePr>
               <p:cNvPr id="3" name="Таблица 2"/>
@@ -17845,7 +17849,7 @@
             </a:graphic>
           </p:graphicFrame>
         </mc:Choice>
-        <mc:Fallback>
+        <mc:Fallback xmlns="">
           <p:graphicFrame>
             <p:nvGraphicFramePr>
               <p:cNvPr id="3" name="Таблица 2"/>
@@ -18598,8 +18602,8 @@
           <a:chExt cx="0" cy="0"/>
         </a:xfrm>
       </p:grpSpPr>
-      <mc:AlternateContent xmlns:mc="http://schemas.openxmlformats.org/markup-compatibility/2006">
-        <mc:Choice xmlns:a14="http://schemas.microsoft.com/office/drawing/2010/main" Requires="a14">
+      <mc:AlternateContent xmlns:mc="http://schemas.openxmlformats.org/markup-compatibility/2006" xmlns:a14="http://schemas.microsoft.com/office/drawing/2010/main">
+        <mc:Choice Requires="a14">
           <p:graphicFrame>
             <p:nvGraphicFramePr>
               <p:cNvPr id="5" name="Таблица 4"/>
@@ -19210,7 +19214,7 @@
             </a:graphic>
           </p:graphicFrame>
         </mc:Choice>
-        <mc:Fallback>
+        <mc:Fallback xmlns="">
           <p:graphicFrame>
             <p:nvGraphicFramePr>
               <p:cNvPr id="5" name="Таблица 4"/>
